--- a/PPT/2016 GameEngineProject(3)_채종현.pptx
+++ b/PPT/2016 GameEngineProject(3)_채종현.pptx
@@ -164,7 +164,7 @@
       </p14:sectionLst>
     </p:ext>
     <p:ext uri="{EFAFB233-063F-42B5-8137-9DF3F51BA10A}">
-      <p15:sldGuideLst xmlns="" xmlns:p15="http://schemas.microsoft.com/office/powerpoint/2012/main"/>
+      <p15:sldGuideLst xmlns:p15="http://schemas.microsoft.com/office/powerpoint/2012/main" xmlns=""/>
     </p:ext>
   </p:extLst>
 </p:presentation>
@@ -19413,17 +19413,7 @@
                 <a:latin typeface="HY견고딕" panose="02030600000101010101" pitchFamily="18" charset="-127"/>
                 <a:ea typeface="HY견고딕" panose="02030600000101010101" pitchFamily="18" charset="-127"/>
               </a:rPr>
-              <a:t>개발 </a:t>
-            </a:r>
-            <a:r>
-              <a:rPr lang="ko-KR" altLang="en-US" b="0" dirty="0" smtClean="0">
-                <a:solidFill>
-                  <a:srgbClr val="969696"/>
-                </a:solidFill>
-                <a:latin typeface="HY견고딕" panose="02030600000101010101" pitchFamily="18" charset="-127"/>
-                <a:ea typeface="HY견고딕" panose="02030600000101010101" pitchFamily="18" charset="-127"/>
-              </a:rPr>
-              <a:t>범위 </a:t>
+              <a:t>개발 범위 </a:t>
             </a:r>
             <a:r>
               <a:rPr lang="en-US" altLang="ko-KR" b="0" dirty="0" smtClean="0">
@@ -19479,17 +19469,7 @@
                 <a:latin typeface="HY견고딕" panose="02030600000101010101" pitchFamily="18" charset="-127"/>
                 <a:ea typeface="HY견고딕" panose="02030600000101010101" pitchFamily="18" charset="-127"/>
               </a:rPr>
-              <a:t>게임 </a:t>
-            </a:r>
-            <a:r>
-              <a:rPr lang="ko-KR" altLang="en-US" b="0" dirty="0" smtClean="0">
-                <a:solidFill>
-                  <a:srgbClr val="969696"/>
-                </a:solidFill>
-                <a:latin typeface="HY견고딕" panose="02030600000101010101" pitchFamily="18" charset="-127"/>
-                <a:ea typeface="HY견고딕" panose="02030600000101010101" pitchFamily="18" charset="-127"/>
-              </a:rPr>
-              <a:t>실행 흐름</a:t>
+              <a:t>게임 실행 흐름</a:t>
             </a:r>
             <a:endParaRPr lang="en-US" altLang="ko-KR" b="0" dirty="0" smtClean="0">
               <a:solidFill>
@@ -20774,21 +20754,7 @@
                 <a:latin typeface="HY견고딕" panose="02030600000101010101" pitchFamily="18" charset="-127"/>
                 <a:ea typeface="HY견고딕" panose="02030600000101010101" pitchFamily="18" charset="-127"/>
               </a:rPr>
-              <a:t>개 발  </a:t>
-            </a:r>
-            <a:r>
-              <a:rPr lang="ko-KR" altLang="en-US" dirty="0" smtClean="0">
-                <a:latin typeface="HY견고딕" panose="02030600000101010101" pitchFamily="18" charset="-127"/>
-                <a:ea typeface="HY견고딕" panose="02030600000101010101" pitchFamily="18" charset="-127"/>
-              </a:rPr>
-              <a:t>범 </a:t>
-            </a:r>
-            <a:r>
-              <a:rPr lang="ko-KR" altLang="en-US" dirty="0" smtClean="0">
-                <a:latin typeface="HY견고딕" panose="02030600000101010101" pitchFamily="18" charset="-127"/>
-                <a:ea typeface="HY견고딕" panose="02030600000101010101" pitchFamily="18" charset="-127"/>
-              </a:rPr>
-              <a:t>위 </a:t>
+              <a:t>개 발  범 위 </a:t>
             </a:r>
             <a:r>
               <a:rPr lang="en-US" altLang="ko-KR" dirty="0" smtClean="0">
@@ -21017,7 +20983,7 @@
           <p:nvPr>
             <p:extLst>
               <p:ext uri="{D42A27DB-BD31-4B8C-83A1-F6EECF244321}">
-                <p14:modId xmlns:p14="http://schemas.microsoft.com/office/powerpoint/2010/main" val="1059376251"/>
+                <p14:modId xmlns:p14="http://schemas.microsoft.com/office/powerpoint/2010/main" val="500845823"/>
               </p:ext>
             </p:extLst>
           </p:nvPr>
@@ -21138,11 +21104,7 @@
                       </a:r>
                       <a:r>
                         <a:rPr lang="ko-KR" altLang="en-US" baseline="0" dirty="0" smtClean="0"/>
-                        <a:t>공격 및 </a:t>
-                      </a:r>
-                      <a:r>
-                        <a:rPr lang="ko-KR" altLang="en-US" baseline="0" dirty="0" smtClean="0"/>
-                        <a:t>방어</a:t>
+                        <a:t>공격 및 방어</a:t>
                       </a:r>
                       <a:endParaRPr lang="en-US" altLang="ko-KR" baseline="0" dirty="0" smtClean="0"/>
                     </a:p>
@@ -21523,7 +21485,23 @@
                             <a:srgbClr val="00B050"/>
                           </a:solidFill>
                         </a:rPr>
-                        <a:t>최고 점수 갱신시스템 추가</a:t>
+                        <a:t>최고 점수 </a:t>
+                      </a:r>
+                      <a:r>
+                        <a:rPr lang="ko-KR" altLang="en-US" smtClean="0">
+                          <a:solidFill>
+                            <a:srgbClr val="00B050"/>
+                          </a:solidFill>
+                        </a:rPr>
+                        <a:t>갱신시스템 </a:t>
+                      </a:r>
+                      <a:r>
+                        <a:rPr lang="ko-KR" altLang="en-US" smtClean="0">
+                          <a:solidFill>
+                            <a:srgbClr val="00B050"/>
+                          </a:solidFill>
+                        </a:rPr>
+                        <a:t>및 사운드 추가</a:t>
                       </a:r>
                       <a:r>
                         <a:rPr lang="en-US" altLang="ko-KR" dirty="0" smtClean="0">
@@ -22944,7 +22922,7 @@
   </a:extraClrSchemeLst>
   <a:extLst>
     <a:ext uri="{05A4C25C-085E-4340-85A3-A5531E510DB2}">
-      <thm15:themeFamily xmlns="" xmlns:thm15="http://schemas.microsoft.com/office/thememl/2012/main" name="Office Theme" id="{62F939B6-93AF-4DB8-9C6B-D6C7DFDC589F}" vid="{4A3C46E8-61CC-4603-A589-7422A47A8E4A}"/>
+      <thm15:themeFamily xmlns:thm15="http://schemas.microsoft.com/office/thememl/2012/main" xmlns="" name="Office Theme" id="{62F939B6-93AF-4DB8-9C6B-D6C7DFDC589F}" vid="{4A3C46E8-61CC-4603-A589-7422A47A8E4A}"/>
     </a:ext>
   </a:extLst>
 </a:theme>
@@ -23785,7 +23763,7 @@
   </a:extraClrSchemeLst>
   <a:extLst>
     <a:ext uri="{05A4C25C-085E-4340-85A3-A5531E510DB2}">
-      <thm15:themeFamily xmlns="" xmlns:thm15="http://schemas.microsoft.com/office/thememl/2012/main" name="Office Theme" id="{62F939B6-93AF-4DB8-9C6B-D6C7DFDC589F}" vid="{4A3C46E8-61CC-4603-A589-7422A47A8E4A}"/>
+      <thm15:themeFamily xmlns:thm15="http://schemas.microsoft.com/office/thememl/2012/main" xmlns="" name="Office Theme" id="{62F939B6-93AF-4DB8-9C6B-D6C7DFDC589F}" vid="{4A3C46E8-61CC-4603-A589-7422A47A8E4A}"/>
     </a:ext>
   </a:extLst>
 </a:theme>
@@ -24626,7 +24604,7 @@
   </a:extraClrSchemeLst>
   <a:extLst>
     <a:ext uri="{05A4C25C-085E-4340-85A3-A5531E510DB2}">
-      <thm15:themeFamily xmlns="" xmlns:thm15="http://schemas.microsoft.com/office/thememl/2012/main" name="Office Theme" id="{62F939B6-93AF-4DB8-9C6B-D6C7DFDC589F}" vid="{4A3C46E8-61CC-4603-A589-7422A47A8E4A}"/>
+      <thm15:themeFamily xmlns:thm15="http://schemas.microsoft.com/office/thememl/2012/main" xmlns="" name="Office Theme" id="{62F939B6-93AF-4DB8-9C6B-D6C7DFDC589F}" vid="{4A3C46E8-61CC-4603-A589-7422A47A8E4A}"/>
     </a:ext>
   </a:extLst>
 </a:theme>
@@ -25467,7 +25445,7 @@
   </a:extraClrSchemeLst>
   <a:extLst>
     <a:ext uri="{05A4C25C-085E-4340-85A3-A5531E510DB2}">
-      <thm15:themeFamily xmlns="" xmlns:thm15="http://schemas.microsoft.com/office/thememl/2012/main" name="Office Theme" id="{62F939B6-93AF-4DB8-9C6B-D6C7DFDC589F}" vid="{4A3C46E8-61CC-4603-A589-7422A47A8E4A}"/>
+      <thm15:themeFamily xmlns:thm15="http://schemas.microsoft.com/office/thememl/2012/main" xmlns="" name="Office Theme" id="{62F939B6-93AF-4DB8-9C6B-D6C7DFDC589F}" vid="{4A3C46E8-61CC-4603-A589-7422A47A8E4A}"/>
     </a:ext>
   </a:extLst>
 </a:theme>
@@ -25728,7 +25706,7 @@
   <a:extraClrSchemeLst/>
   <a:extLst>
     <a:ext uri="{05A4C25C-085E-4340-85A3-A5531E510DB2}">
-      <thm15:themeFamily xmlns="" xmlns:thm15="http://schemas.microsoft.com/office/thememl/2012/main" name="Office Theme" id="{62F939B6-93AF-4DB8-9C6B-D6C7DFDC589F}" vid="{4A3C46E8-61CC-4603-A589-7422A47A8E4A}"/>
+      <thm15:themeFamily xmlns:thm15="http://schemas.microsoft.com/office/thememl/2012/main" xmlns="" name="Office Theme" id="{62F939B6-93AF-4DB8-9C6B-D6C7DFDC589F}" vid="{4A3C46E8-61CC-4603-A589-7422A47A8E4A}"/>
     </a:ext>
   </a:extLst>
 </a:theme>
